--- a/documentation/Project5_Presentation.pptx
+++ b/documentation/Project5_Presentation.pptx
@@ -203,7 +203,7 @@
           <a:p>
             <a:fld id="{9D05BED0-5D94-4216-8FAC-1E2CA02CBF52}" type="datetimeFigureOut">
               <a:rPr lang="en-CA" smtClean="0"/>
-              <a:t>2023-10-11</a:t>
+              <a:t>2023-10-18</a:t>
             </a:fld>
             <a:endParaRPr lang="en-CA"/>
           </a:p>
@@ -704,7 +704,7 @@
           <a:p>
             <a:fld id="{16D60063-6AE4-44D2-ADEC-433F95611D31}" type="datetimeFigureOut">
               <a:rPr lang="en-CA" smtClean="0"/>
-              <a:t>2023-10-11</a:t>
+              <a:t>2023-10-18</a:t>
             </a:fld>
             <a:endParaRPr lang="en-CA"/>
           </a:p>
@@ -904,7 +904,7 @@
           <a:p>
             <a:fld id="{16D60063-6AE4-44D2-ADEC-433F95611D31}" type="datetimeFigureOut">
               <a:rPr lang="en-CA" smtClean="0"/>
-              <a:t>2023-10-11</a:t>
+              <a:t>2023-10-18</a:t>
             </a:fld>
             <a:endParaRPr lang="en-CA"/>
           </a:p>
@@ -1114,7 +1114,7 @@
           <a:p>
             <a:fld id="{16D60063-6AE4-44D2-ADEC-433F95611D31}" type="datetimeFigureOut">
               <a:rPr lang="en-CA" smtClean="0"/>
-              <a:t>2023-10-11</a:t>
+              <a:t>2023-10-18</a:t>
             </a:fld>
             <a:endParaRPr lang="en-CA"/>
           </a:p>
@@ -1314,7 +1314,7 @@
           <a:p>
             <a:fld id="{16D60063-6AE4-44D2-ADEC-433F95611D31}" type="datetimeFigureOut">
               <a:rPr lang="en-CA" smtClean="0"/>
-              <a:t>2023-10-11</a:t>
+              <a:t>2023-10-18</a:t>
             </a:fld>
             <a:endParaRPr lang="en-CA"/>
           </a:p>
@@ -1590,7 +1590,7 @@
           <a:p>
             <a:fld id="{16D60063-6AE4-44D2-ADEC-433F95611D31}" type="datetimeFigureOut">
               <a:rPr lang="en-CA" smtClean="0"/>
-              <a:t>2023-10-11</a:t>
+              <a:t>2023-10-18</a:t>
             </a:fld>
             <a:endParaRPr lang="en-CA"/>
           </a:p>
@@ -1858,7 +1858,7 @@
           <a:p>
             <a:fld id="{16D60063-6AE4-44D2-ADEC-433F95611D31}" type="datetimeFigureOut">
               <a:rPr lang="en-CA" smtClean="0"/>
-              <a:t>2023-10-11</a:t>
+              <a:t>2023-10-18</a:t>
             </a:fld>
             <a:endParaRPr lang="en-CA"/>
           </a:p>
@@ -2273,7 +2273,7 @@
           <a:p>
             <a:fld id="{16D60063-6AE4-44D2-ADEC-433F95611D31}" type="datetimeFigureOut">
               <a:rPr lang="en-CA" smtClean="0"/>
-              <a:t>2023-10-11</a:t>
+              <a:t>2023-10-18</a:t>
             </a:fld>
             <a:endParaRPr lang="en-CA"/>
           </a:p>
@@ -2415,7 +2415,7 @@
           <a:p>
             <a:fld id="{16D60063-6AE4-44D2-ADEC-433F95611D31}" type="datetimeFigureOut">
               <a:rPr lang="en-CA" smtClean="0"/>
-              <a:t>2023-10-11</a:t>
+              <a:t>2023-10-18</a:t>
             </a:fld>
             <a:endParaRPr lang="en-CA"/>
           </a:p>
@@ -2528,7 +2528,7 @@
           <a:p>
             <a:fld id="{16D60063-6AE4-44D2-ADEC-433F95611D31}" type="datetimeFigureOut">
               <a:rPr lang="en-CA" smtClean="0"/>
-              <a:t>2023-10-11</a:t>
+              <a:t>2023-10-18</a:t>
             </a:fld>
             <a:endParaRPr lang="en-CA"/>
           </a:p>
@@ -2841,7 +2841,7 @@
           <a:p>
             <a:fld id="{16D60063-6AE4-44D2-ADEC-433F95611D31}" type="datetimeFigureOut">
               <a:rPr lang="en-CA" smtClean="0"/>
-              <a:t>2023-10-11</a:t>
+              <a:t>2023-10-18</a:t>
             </a:fld>
             <a:endParaRPr lang="en-CA"/>
           </a:p>
@@ -3130,7 +3130,7 @@
           <a:p>
             <a:fld id="{16D60063-6AE4-44D2-ADEC-433F95611D31}" type="datetimeFigureOut">
               <a:rPr lang="en-CA" smtClean="0"/>
-              <a:t>2023-10-11</a:t>
+              <a:t>2023-10-18</a:t>
             </a:fld>
             <a:endParaRPr lang="en-CA"/>
           </a:p>
@@ -3373,7 +3373,7 @@
           <a:p>
             <a:fld id="{16D60063-6AE4-44D2-ADEC-433F95611D31}" type="datetimeFigureOut">
               <a:rPr lang="en-CA" smtClean="0"/>
-              <a:t>2023-10-11</a:t>
+              <a:t>2023-10-18</a:t>
             </a:fld>
             <a:endParaRPr lang="en-CA"/>
           </a:p>
@@ -4315,7 +4315,7 @@
                 <a:ea typeface="Calibri" panose="020F0502020204030204" pitchFamily="34" charset="0"/>
                 <a:cs typeface="Times New Roman" panose="02020603050405020304" pitchFamily="18" charset="0"/>
               </a:rPr>
-              <a:t>●All URL endpoints are functional as well as the actuators: health, info, trace, and metrics.  </a:t>
+              <a:t>●SafetyNet Alerts is developed with a Model-View-Controller architecture.</a:t>
             </a:r>
             <a:br>
               <a:rPr lang="en-CA" sz="2800" dirty="0">
@@ -4332,7 +4332,7 @@
                 <a:ea typeface="Calibri" panose="020F0502020204030204" pitchFamily="34" charset="0"/>
                 <a:cs typeface="Times New Roman" panose="02020603050405020304" pitchFamily="18" charset="0"/>
               </a:rPr>
-              <a:t>●All URL endpoints log their requests and their responses. Log successful responses with the info level, log errors or exceptions on the error level, and log informative calculations or steps on the debug level. </a:t>
+              <a:t>●All URL endpoints are functional as well as the actuators: health, info, trace, and metrics.  </a:t>
             </a:r>
             <a:br>
               <a:rPr lang="en-CA" sz="2800" dirty="0">
@@ -4349,7 +4349,7 @@
                 <a:ea typeface="Calibri" panose="020F0502020204030204" pitchFamily="34" charset="0"/>
                 <a:cs typeface="Times New Roman" panose="02020603050405020304" pitchFamily="18" charset="0"/>
               </a:rPr>
-              <a:t>●A working Gradle or Maven build that executes unit tests and code coverage.  </a:t>
+              <a:t>●All URL endpoints log their requests and their responses. Log successful responses with the info level, log errors or exceptions on the error level, and log informative calculations or steps on the debug level. </a:t>
             </a:r>
             <a:br>
               <a:rPr lang="en-CA" sz="2800" dirty="0">
@@ -4366,7 +4366,7 @@
                 <a:ea typeface="Calibri" panose="020F0502020204030204" pitchFamily="34" charset="0"/>
                 <a:cs typeface="Times New Roman" panose="02020603050405020304" pitchFamily="18" charset="0"/>
               </a:rPr>
-              <a:t>●All URL endpoints and any additional functionality have unit tests. </a:t>
+              <a:t>●A working Gradle or Maven build that executes unit tests and code coverage.  </a:t>
             </a:r>
             <a:br>
               <a:rPr lang="en-CA" sz="2800" dirty="0">
@@ -4383,25 +4383,7 @@
                 <a:ea typeface="Calibri" panose="020F0502020204030204" pitchFamily="34" charset="0"/>
                 <a:cs typeface="Times New Roman" panose="02020603050405020304" pitchFamily="18" charset="0"/>
               </a:rPr>
-              <a:t>●The build generates a </a:t>
-            </a:r>
-            <a:r>
-              <a:rPr lang="en-CA" sz="2800" dirty="0" err="1">
-                <a:effectLst/>
-                <a:latin typeface="Calibri" panose="020F0502020204030204" pitchFamily="34" charset="0"/>
-                <a:ea typeface="Calibri" panose="020F0502020204030204" pitchFamily="34" charset="0"/>
-                <a:cs typeface="Times New Roman" panose="02020603050405020304" pitchFamily="18" charset="0"/>
-              </a:rPr>
-              <a:t>SureFire</a:t>
-            </a:r>
-            <a:r>
-              <a:rPr lang="en-CA" sz="2800" dirty="0">
-                <a:effectLst/>
-                <a:latin typeface="Calibri" panose="020F0502020204030204" pitchFamily="34" charset="0"/>
-                <a:ea typeface="Calibri" panose="020F0502020204030204" pitchFamily="34" charset="0"/>
-                <a:cs typeface="Times New Roman" panose="02020603050405020304" pitchFamily="18" charset="0"/>
-              </a:rPr>
-              <a:t> test report of the JUnit test results. </a:t>
+              <a:t>●All URL endpoints and any additional functionality have unit tests. </a:t>
             </a:r>
             <a:br>
               <a:rPr lang="en-CA" sz="2800" dirty="0">
@@ -4418,7 +4400,7 @@
                 <a:ea typeface="Calibri" panose="020F0502020204030204" pitchFamily="34" charset="0"/>
                 <a:cs typeface="Times New Roman" panose="02020603050405020304" pitchFamily="18" charset="0"/>
               </a:rPr>
-              <a:t>●The build includes a </a:t>
+              <a:t>●The build generates a </a:t>
             </a:r>
             <a:r>
               <a:rPr lang="en-CA" sz="2800" dirty="0" err="1">
@@ -4427,7 +4409,7 @@
                 <a:ea typeface="Calibri" panose="020F0502020204030204" pitchFamily="34" charset="0"/>
                 <a:cs typeface="Times New Roman" panose="02020603050405020304" pitchFamily="18" charset="0"/>
               </a:rPr>
-              <a:t>JaCoCo</a:t>
+              <a:t>SureFire</a:t>
             </a:r>
             <a:r>
               <a:rPr lang="en-CA" sz="2800" dirty="0">
@@ -4436,7 +4418,7 @@
                 <a:ea typeface="Calibri" panose="020F0502020204030204" pitchFamily="34" charset="0"/>
                 <a:cs typeface="Times New Roman" panose="02020603050405020304" pitchFamily="18" charset="0"/>
               </a:rPr>
-              <a:t> unit test coverage report and archives a code coverage of 80%.  </a:t>
+              <a:t> test report of the JUnit test results. </a:t>
             </a:r>
             <a:br>
               <a:rPr lang="en-CA" sz="2800" dirty="0">
@@ -4453,8 +4435,34 @@
                 <a:ea typeface="Calibri" panose="020F0502020204030204" pitchFamily="34" charset="0"/>
                 <a:cs typeface="Times New Roman" panose="02020603050405020304" pitchFamily="18" charset="0"/>
               </a:rPr>
-              <a:t>●SafetyNet Alerts is developed with a Model-View-Controller architecture. </a:t>
-            </a:r>
+              <a:t>●The build includes a </a:t>
+            </a:r>
+            <a:r>
+              <a:rPr lang="en-CA" sz="2800" dirty="0" err="1">
+                <a:effectLst/>
+                <a:latin typeface="Calibri" panose="020F0502020204030204" pitchFamily="34" charset="0"/>
+                <a:ea typeface="Calibri" panose="020F0502020204030204" pitchFamily="34" charset="0"/>
+                <a:cs typeface="Times New Roman" panose="02020603050405020304" pitchFamily="18" charset="0"/>
+              </a:rPr>
+              <a:t>JaCoCo</a:t>
+            </a:r>
+            <a:r>
+              <a:rPr lang="en-CA" sz="2800" dirty="0">
+                <a:effectLst/>
+                <a:latin typeface="Calibri" panose="020F0502020204030204" pitchFamily="34" charset="0"/>
+                <a:ea typeface="Calibri" panose="020F0502020204030204" pitchFamily="34" charset="0"/>
+                <a:cs typeface="Times New Roman" panose="02020603050405020304" pitchFamily="18" charset="0"/>
+              </a:rPr>
+              <a:t> unit test coverage report and archives a code coverage of 80%.  </a:t>
+            </a:r>
+            <a:br>
+              <a:rPr lang="en-CA" sz="2800" dirty="0">
+                <a:effectLst/>
+                <a:latin typeface="Calibri" panose="020F0502020204030204" pitchFamily="34" charset="0"/>
+                <a:ea typeface="Calibri" panose="020F0502020204030204" pitchFamily="34" charset="0"/>
+                <a:cs typeface="Times New Roman" panose="02020603050405020304" pitchFamily="18" charset="0"/>
+              </a:rPr>
+            </a:br>
             <a:br>
               <a:rPr lang="en-GB" sz="2800" dirty="0"/>
             </a:br>
@@ -4583,8 +4591,8 @@
         </p:nvSpPr>
         <p:spPr>
           <a:xfrm>
-            <a:off x="838200" y="365126"/>
-            <a:ext cx="10515600" cy="652792"/>
+            <a:off x="2190607" y="145120"/>
+            <a:ext cx="7810786" cy="652792"/>
           </a:xfrm>
         </p:spPr>
         <p:txBody>
@@ -4594,7 +4602,7 @@
           <a:lstStyle/>
           <a:p>
             <a:r>
-              <a:rPr lang="en-CA" sz="4800" b="1" dirty="0">
+              <a:rPr lang="en-CA" b="1" dirty="0">
                 <a:solidFill>
                   <a:srgbClr val="FF0000"/>
                 </a:solidFill>
@@ -4622,78 +4630,205 @@
         </p:nvSpPr>
         <p:spPr>
           <a:xfrm>
-            <a:off x="431321" y="1285336"/>
-            <a:ext cx="11412747" cy="4891627"/>
+            <a:off x="222263" y="729160"/>
+            <a:ext cx="11601180" cy="5983720"/>
           </a:xfrm>
         </p:spPr>
         <p:txBody>
           <a:bodyPr>
-            <a:normAutofit/>
+            <a:normAutofit lnSpcReduction="10000"/>
           </a:bodyPr>
           <a:lstStyle/>
           <a:p>
-            <a:pPr marL="457200" indent="-457200">
+            <a:pPr marL="0" indent="0">
               <a:lnSpc>
-                <a:spcPct val="150000"/>
+                <a:spcPct val="120000"/>
               </a:lnSpc>
-              <a:buFont typeface="+mj-lt"/>
-              <a:buAutoNum type="arabicPeriod"/>
+              <a:spcBef>
+                <a:spcPts val="0"/>
+              </a:spcBef>
+              <a:buNone/>
             </a:pPr>
             <a:r>
               <a:rPr lang="en-CA" sz="2400" b="1" dirty="0"/>
-              <a:t>http://localhost:8080/firestation?stationNumber=&lt;station_number&gt;  </a:t>
-            </a:r>
-          </a:p>
-          <a:p>
-            <a:pPr marL="457200" indent="-457200">
+              <a:t>1. http://localhost:8080/firestation?stationNumber=&lt;station_number&gt;</a:t>
+            </a:r>
+          </a:p>
+          <a:p>
+            <a:pPr marL="0" indent="0">
               <a:lnSpc>
-                <a:spcPct val="150000"/>
+                <a:spcPct val="120000"/>
               </a:lnSpc>
-              <a:buFont typeface="+mj-lt"/>
-              <a:buAutoNum type="arabicPeriod"/>
+              <a:spcBef>
+                <a:spcPts val="0"/>
+              </a:spcBef>
+              <a:buNone/>
             </a:pPr>
             <a:r>
+              <a:rPr lang="en-CA" sz="1300" dirty="0">
+                <a:effectLst/>
+                <a:latin typeface="Roboto" panose="02000000000000000000" pitchFamily="2" charset="0"/>
+                <a:ea typeface="Roboto" panose="02000000000000000000" pitchFamily="2" charset="0"/>
+                <a:cs typeface="Times New Roman" panose="02020603050405020304" pitchFamily="18" charset="0"/>
+              </a:rPr>
+              <a:t>This URL should return a list of people serviced by the corresponding fire station. So if of children (anyone aged 18 or younger).  </a:t>
+            </a:r>
+            <a:r>
+              <a:rPr lang="en-CA" sz="1300" b="1" dirty="0">
+                <a:latin typeface="Roboto" panose="02000000000000000000" pitchFamily="2" charset="0"/>
+                <a:ea typeface="Roboto" panose="02000000000000000000" pitchFamily="2" charset="0"/>
+              </a:rPr>
+              <a:t>  </a:t>
+            </a:r>
+            <a:r>
+              <a:rPr lang="en-CA" sz="1300" dirty="0">
+                <a:latin typeface="Roboto" panose="02000000000000000000" pitchFamily="2" charset="0"/>
+                <a:ea typeface="Roboto" panose="02000000000000000000" pitchFamily="2" charset="0"/>
+                <a:cs typeface="Times New Roman" panose="02020603050405020304" pitchFamily="18" charset="0"/>
+              </a:rPr>
+              <a:t>station number = 1, it should return the people serviced by station number 1. The list of people should include these specific pieces of information: first name, last name, address, phone number. As well, it should provide a summary of the number of adults in the service area and the number </a:t>
+            </a:r>
+            <a:endParaRPr lang="en-CA" sz="1300" b="1" dirty="0">
+              <a:latin typeface="Roboto" panose="02000000000000000000" pitchFamily="2" charset="0"/>
+              <a:ea typeface="Roboto" panose="02000000000000000000" pitchFamily="2" charset="0"/>
+            </a:endParaRPr>
+          </a:p>
+          <a:p>
+            <a:pPr marL="0" indent="0">
+              <a:lnSpc>
+                <a:spcPct val="120000"/>
+              </a:lnSpc>
+              <a:spcBef>
+                <a:spcPts val="0"/>
+              </a:spcBef>
+              <a:buNone/>
+            </a:pPr>
+            <a:r>
               <a:rPr lang="en-CA" sz="2400" b="1" dirty="0"/>
-              <a:t>http://localhost:8080/childAlert?address=&lt;address&gt;  </a:t>
-            </a:r>
-          </a:p>
-          <a:p>
-            <a:pPr marL="457200" indent="-457200">
+              <a:t>2. http://localhost:8080/childAlert?address=&lt;address&gt;</a:t>
+            </a:r>
+          </a:p>
+          <a:p>
+            <a:pPr marL="0" indent="0">
               <a:lnSpc>
-                <a:spcPct val="150000"/>
+                <a:spcPct val="120000"/>
               </a:lnSpc>
-              <a:buFont typeface="+mj-lt"/>
-              <a:buAutoNum type="arabicPeriod"/>
+              <a:spcBef>
+                <a:spcPts val="0"/>
+              </a:spcBef>
+              <a:buNone/>
             </a:pPr>
             <a:r>
+              <a:rPr lang="en-CA" sz="1300" b="1" dirty="0">
+                <a:latin typeface="Roboto" panose="02000000000000000000" pitchFamily="2" charset="0"/>
+                <a:ea typeface="Roboto" panose="02000000000000000000" pitchFamily="2" charset="0"/>
+              </a:rPr>
+              <a:t>  </a:t>
+            </a:r>
+            <a:r>
+              <a:rPr lang="en-CA" sz="1300" dirty="0">
+                <a:effectLst/>
+                <a:latin typeface="Roboto" panose="02000000000000000000" pitchFamily="2" charset="0"/>
+                <a:ea typeface="Roboto" panose="02000000000000000000" pitchFamily="2" charset="0"/>
+                <a:cs typeface="Times New Roman" panose="02020603050405020304" pitchFamily="18" charset="0"/>
+              </a:rPr>
+              <a:t> This URL should return a list of children (anyone under the age of 18) at that address. The list should include the first and last name of each child, the child’s age, and a list of other persons living at that address. If there are no children at the address, then this URL can return an empty string </a:t>
+            </a:r>
+            <a:endParaRPr lang="en-CA" sz="1300" b="1" dirty="0">
+              <a:latin typeface="Roboto" panose="02000000000000000000" pitchFamily="2" charset="0"/>
+              <a:ea typeface="Roboto" panose="02000000000000000000" pitchFamily="2" charset="0"/>
+            </a:endParaRPr>
+          </a:p>
+          <a:p>
+            <a:pPr marL="0" indent="0">
+              <a:lnSpc>
+                <a:spcPct val="120000"/>
+              </a:lnSpc>
+              <a:spcBef>
+                <a:spcPts val="0"/>
+              </a:spcBef>
+              <a:buNone/>
+            </a:pPr>
+            <a:r>
               <a:rPr lang="en-CA" sz="2400" b="1" dirty="0"/>
-              <a:t>http://localhost:8080/phoneAlert?firestation=&lt;firestation_number&gt;  </a:t>
-            </a:r>
-          </a:p>
-          <a:p>
-            <a:pPr marL="457200" indent="-457200">
+              <a:t>3. http://localhost:8080/phoneAlert?firestation=&lt;firestation_number&gt; </a:t>
+            </a:r>
+          </a:p>
+          <a:p>
+            <a:pPr marL="0" indent="0">
               <a:lnSpc>
-                <a:spcPct val="150000"/>
+                <a:spcPct val="120000"/>
               </a:lnSpc>
-              <a:buFont typeface="+mj-lt"/>
-              <a:buAutoNum type="arabicPeriod"/>
+              <a:spcBef>
+                <a:spcPts val="0"/>
+              </a:spcBef>
+              <a:buNone/>
             </a:pPr>
             <a:r>
+              <a:rPr lang="en-CA" sz="1300" dirty="0">
+                <a:effectLst/>
+                <a:latin typeface="Roboto" panose="02000000000000000000" pitchFamily="2" charset="0"/>
+                <a:ea typeface="Roboto" panose="02000000000000000000" pitchFamily="2" charset="0"/>
+                <a:cs typeface="Times New Roman" panose="02020603050405020304" pitchFamily="18" charset="0"/>
+              </a:rPr>
+              <a:t>This URL should return a list of phone numbers of each person within the fire station’s jurisdiction. We’ll use this to send emergency text messages to specific households. </a:t>
+            </a:r>
+          </a:p>
+          <a:p>
+            <a:pPr marL="0" indent="0">
+              <a:lnSpc>
+                <a:spcPct val="120000"/>
+              </a:lnSpc>
+              <a:spcBef>
+                <a:spcPts val="0"/>
+              </a:spcBef>
+              <a:buNone/>
+            </a:pPr>
+            <a:r>
               <a:rPr lang="en-CA" sz="2400" b="1" dirty="0"/>
-              <a:t>http://localhost:8080/fire?address=&lt;address&gt;  </a:t>
-            </a:r>
-          </a:p>
-          <a:p>
-            <a:pPr marL="457200" indent="-457200">
+              <a:t>4. http://localhost:8080/fire?address=&lt;address&gt;</a:t>
+            </a:r>
+          </a:p>
+          <a:p>
+            <a:pPr marL="0" indent="0">
               <a:lnSpc>
-                <a:spcPct val="150000"/>
+                <a:spcPct val="120000"/>
               </a:lnSpc>
-              <a:buFont typeface="+mj-lt"/>
-              <a:buAutoNum type="arabicPeriod"/>
+              <a:spcBef>
+                <a:spcPts val="0"/>
+              </a:spcBef>
+              <a:buNone/>
             </a:pPr>
             <a:r>
+              <a:rPr lang="en-CA" sz="1300" dirty="0">
+                <a:effectLst/>
+                <a:latin typeface="Roboto" panose="02000000000000000000" pitchFamily="2" charset="0"/>
+                <a:ea typeface="Roboto" panose="02000000000000000000" pitchFamily="2" charset="0"/>
+                <a:cs typeface="Times New Roman" panose="02020603050405020304" pitchFamily="18" charset="0"/>
+              </a:rPr>
+              <a:t>This URL should return the fire station number that services the provided address as well as a list of all of the people living at the address. This list should include each person’s name, phone number, age, medications with dosage, and allergies. </a:t>
+            </a:r>
+            <a:r>
+              <a:rPr lang="en-CA" sz="1300" b="1" dirty="0">
+                <a:latin typeface="Roboto" panose="02000000000000000000" pitchFamily="2" charset="0"/>
+                <a:ea typeface="Roboto" panose="02000000000000000000" pitchFamily="2" charset="0"/>
+              </a:rPr>
+              <a:t>  </a:t>
+            </a:r>
+          </a:p>
+          <a:p>
+            <a:pPr marL="0" indent="0">
+              <a:lnSpc>
+                <a:spcPct val="120000"/>
+              </a:lnSpc>
+              <a:spcBef>
+                <a:spcPts val="0"/>
+              </a:spcBef>
+              <a:buNone/>
+            </a:pPr>
+            <a:r>
               <a:rPr lang="en-CA" sz="2400" b="1" dirty="0"/>
-              <a:t>http://localhost:8080/flood/stations?stations=&lt;a list of </a:t>
+              <a:t>5. http://localhost:8080/flood/stations?stations=&lt;a list of </a:t>
             </a:r>
             <a:r>
               <a:rPr lang="en-CA" sz="2400" b="1" dirty="0" err="1"/>
@@ -4705,30 +4840,111 @@
             </a:r>
           </a:p>
           <a:p>
-            <a:pPr marL="457200" indent="-457200">
+            <a:pPr marL="0" indent="0">
               <a:lnSpc>
-                <a:spcPct val="150000"/>
+                <a:spcPct val="120000"/>
               </a:lnSpc>
-              <a:buFont typeface="+mj-lt"/>
-              <a:buAutoNum type="arabicPeriod"/>
+              <a:spcBef>
+                <a:spcPts val="0"/>
+              </a:spcBef>
+              <a:buNone/>
             </a:pPr>
             <a:r>
+              <a:rPr lang="en-CA" sz="1300" dirty="0">
+                <a:effectLst/>
+                <a:latin typeface="Roboto" panose="02000000000000000000" pitchFamily="2" charset="0"/>
+                <a:ea typeface="Roboto" panose="02000000000000000000" pitchFamily="2" charset="0"/>
+                <a:cs typeface="Times New Roman" panose="02020603050405020304" pitchFamily="18" charset="0"/>
+              </a:rPr>
+              <a:t>This should return a list of all the households in each fire station’s jurisdiction. This list needs to group people by household address, include name, phone number, and age of each person, and  any medications (with dosages) and allergies beside each person’s name.  </a:t>
+            </a:r>
+            <a:endParaRPr lang="en-CA" sz="1300" b="1" dirty="0">
+              <a:latin typeface="Roboto" panose="02000000000000000000" pitchFamily="2" charset="0"/>
+              <a:ea typeface="Roboto" panose="02000000000000000000" pitchFamily="2" charset="0"/>
+            </a:endParaRPr>
+          </a:p>
+          <a:p>
+            <a:pPr marL="0" indent="0">
+              <a:lnSpc>
+                <a:spcPct val="120000"/>
+              </a:lnSpc>
+              <a:spcBef>
+                <a:spcPts val="0"/>
+              </a:spcBef>
+              <a:buNone/>
+            </a:pPr>
+            <a:r>
               <a:rPr lang="en-CA" sz="2400" b="1" dirty="0"/>
-              <a:t>http://localhost:8080/personInfo?firstName=&lt;firstName&gt;&amp;lastName=&lt;lastName&gt;  </a:t>
-            </a:r>
-          </a:p>
-          <a:p>
-            <a:pPr marL="457200" indent="-457200">
+              <a:t>6. http://localhost:8080/personInfo?firstName=&lt;firstName&gt;&amp;lastName=&lt;lastName&gt; </a:t>
+            </a:r>
+          </a:p>
+          <a:p>
+            <a:pPr marL="0" indent="0">
               <a:lnSpc>
-                <a:spcPct val="150000"/>
+                <a:spcPct val="120000"/>
               </a:lnSpc>
-              <a:buFont typeface="+mj-lt"/>
-              <a:buAutoNum type="arabicPeriod"/>
+              <a:spcBef>
+                <a:spcPts val="0"/>
+              </a:spcBef>
+              <a:buNone/>
             </a:pPr>
             <a:r>
+              <a:rPr lang="en-CA" sz="1300" dirty="0">
+                <a:effectLst/>
+                <a:latin typeface="Roboto" panose="02000000000000000000" pitchFamily="2" charset="0"/>
+                <a:ea typeface="Roboto" panose="02000000000000000000" pitchFamily="2" charset="0"/>
+                <a:cs typeface="Times New Roman" panose="02020603050405020304" pitchFamily="18" charset="0"/>
+              </a:rPr>
+              <a:t>This should return the person’s name, address, age, email, list of medications with dosages and allergies. If there is more than one person with the same name, this URL should return all of them.   </a:t>
+            </a:r>
+            <a:r>
+              <a:rPr lang="en-CA" sz="1300" b="1" dirty="0">
+                <a:latin typeface="Roboto" panose="02000000000000000000" pitchFamily="2" charset="0"/>
+                <a:ea typeface="Roboto" panose="02000000000000000000" pitchFamily="2" charset="0"/>
+              </a:rPr>
+              <a:t> </a:t>
+            </a:r>
+          </a:p>
+          <a:p>
+            <a:pPr marL="0" indent="0">
+              <a:lnSpc>
+                <a:spcPct val="120000"/>
+              </a:lnSpc>
+              <a:spcBef>
+                <a:spcPts val="0"/>
+              </a:spcBef>
+              <a:buNone/>
+            </a:pPr>
+            <a:r>
               <a:rPr lang="en-CA" sz="2400" b="1" dirty="0"/>
-              <a:t>http://localhost:8080/communityEmail?city=&lt;city&gt;  </a:t>
-            </a:r>
+              <a:t>7. http://localhost:8080/communityEmail?city=&lt;city&gt; </a:t>
+            </a:r>
+          </a:p>
+          <a:p>
+            <a:pPr marL="0" indent="0">
+              <a:lnSpc>
+                <a:spcPct val="120000"/>
+              </a:lnSpc>
+              <a:spcBef>
+                <a:spcPts val="0"/>
+              </a:spcBef>
+              <a:buNone/>
+            </a:pPr>
+            <a:r>
+              <a:rPr lang="en-CA" sz="1300" dirty="0">
+                <a:effectLst/>
+                <a:latin typeface="Roboto" panose="02000000000000000000" pitchFamily="2" charset="0"/>
+                <a:ea typeface="Calibri" panose="020F0502020204030204" pitchFamily="34" charset="0"/>
+                <a:cs typeface="Times New Roman" panose="02020603050405020304" pitchFamily="18" charset="0"/>
+              </a:rPr>
+              <a:t>This will return the email addresses of all of the people in the city.</a:t>
+            </a:r>
+            <a:endParaRPr lang="en-CA" sz="1300" dirty="0">
+              <a:effectLst/>
+              <a:latin typeface="Calibri" panose="020F0502020204030204" pitchFamily="34" charset="0"/>
+              <a:ea typeface="Calibri" panose="020F0502020204030204" pitchFamily="34" charset="0"/>
+              <a:cs typeface="Times New Roman" panose="02020603050405020304" pitchFamily="18" charset="0"/>
+            </a:endParaRPr>
           </a:p>
         </p:txBody>
       </p:sp>
@@ -5107,10 +5323,10 @@
       </p:sp>
       <p:pic>
         <p:nvPicPr>
-          <p:cNvPr id="3" name="Picture 2">
-            <a:extLst>
-              <a:ext uri="{FF2B5EF4-FFF2-40B4-BE49-F238E27FC236}">
-                <a16:creationId xmlns:a16="http://schemas.microsoft.com/office/drawing/2014/main" id="{2D7604F0-6CF7-48A8-9F20-C8499681DA8D}"/>
+          <p:cNvPr id="4" name="Picture 3">
+            <a:extLst>
+              <a:ext uri="{FF2B5EF4-FFF2-40B4-BE49-F238E27FC236}">
+                <a16:creationId xmlns:a16="http://schemas.microsoft.com/office/drawing/2014/main" id="{B1C0FE7C-1E24-4AD5-8742-A437BB2D33A9}"/>
               </a:ext>
             </a:extLst>
           </p:cNvPr>
@@ -5121,13 +5337,13 @@
         </p:nvPicPr>
         <p:blipFill rotWithShape="1">
           <a:blip r:embed="rId3"/>
-          <a:srcRect l="25260" t="19371" r="24363" b="62767"/>
+          <a:srcRect l="732" t="9593" r="40366" b="67642"/>
           <a:stretch/>
         </p:blipFill>
         <p:spPr>
           <a:xfrm>
-            <a:off x="819508" y="1345722"/>
-            <a:ext cx="11202667" cy="2234240"/>
+            <a:off x="356839" y="1382752"/>
+            <a:ext cx="11182438" cy="2430965"/>
           </a:xfrm>
           <a:prstGeom prst="rect">
             <a:avLst/>

--- a/documentation/Project5_Presentation.pptx
+++ b/documentation/Project5_Presentation.pptx
@@ -203,7 +203,7 @@
           <a:p>
             <a:fld id="{9D05BED0-5D94-4216-8FAC-1E2CA02CBF52}" type="datetimeFigureOut">
               <a:rPr lang="en-CA" smtClean="0"/>
-              <a:t>2023-10-18</a:t>
+              <a:t>2023-10-20</a:t>
             </a:fld>
             <a:endParaRPr lang="en-CA"/>
           </a:p>
@@ -704,7 +704,7 @@
           <a:p>
             <a:fld id="{16D60063-6AE4-44D2-ADEC-433F95611D31}" type="datetimeFigureOut">
               <a:rPr lang="en-CA" smtClean="0"/>
-              <a:t>2023-10-18</a:t>
+              <a:t>2023-10-20</a:t>
             </a:fld>
             <a:endParaRPr lang="en-CA"/>
           </a:p>
@@ -904,7 +904,7 @@
           <a:p>
             <a:fld id="{16D60063-6AE4-44D2-ADEC-433F95611D31}" type="datetimeFigureOut">
               <a:rPr lang="en-CA" smtClean="0"/>
-              <a:t>2023-10-18</a:t>
+              <a:t>2023-10-20</a:t>
             </a:fld>
             <a:endParaRPr lang="en-CA"/>
           </a:p>
@@ -1114,7 +1114,7 @@
           <a:p>
             <a:fld id="{16D60063-6AE4-44D2-ADEC-433F95611D31}" type="datetimeFigureOut">
               <a:rPr lang="en-CA" smtClean="0"/>
-              <a:t>2023-10-18</a:t>
+              <a:t>2023-10-20</a:t>
             </a:fld>
             <a:endParaRPr lang="en-CA"/>
           </a:p>
@@ -1314,7 +1314,7 @@
           <a:p>
             <a:fld id="{16D60063-6AE4-44D2-ADEC-433F95611D31}" type="datetimeFigureOut">
               <a:rPr lang="en-CA" smtClean="0"/>
-              <a:t>2023-10-18</a:t>
+              <a:t>2023-10-20</a:t>
             </a:fld>
             <a:endParaRPr lang="en-CA"/>
           </a:p>
@@ -1590,7 +1590,7 @@
           <a:p>
             <a:fld id="{16D60063-6AE4-44D2-ADEC-433F95611D31}" type="datetimeFigureOut">
               <a:rPr lang="en-CA" smtClean="0"/>
-              <a:t>2023-10-18</a:t>
+              <a:t>2023-10-20</a:t>
             </a:fld>
             <a:endParaRPr lang="en-CA"/>
           </a:p>
@@ -1858,7 +1858,7 @@
           <a:p>
             <a:fld id="{16D60063-6AE4-44D2-ADEC-433F95611D31}" type="datetimeFigureOut">
               <a:rPr lang="en-CA" smtClean="0"/>
-              <a:t>2023-10-18</a:t>
+              <a:t>2023-10-20</a:t>
             </a:fld>
             <a:endParaRPr lang="en-CA"/>
           </a:p>
@@ -2273,7 +2273,7 @@
           <a:p>
             <a:fld id="{16D60063-6AE4-44D2-ADEC-433F95611D31}" type="datetimeFigureOut">
               <a:rPr lang="en-CA" smtClean="0"/>
-              <a:t>2023-10-18</a:t>
+              <a:t>2023-10-20</a:t>
             </a:fld>
             <a:endParaRPr lang="en-CA"/>
           </a:p>
@@ -2415,7 +2415,7 @@
           <a:p>
             <a:fld id="{16D60063-6AE4-44D2-ADEC-433F95611D31}" type="datetimeFigureOut">
               <a:rPr lang="en-CA" smtClean="0"/>
-              <a:t>2023-10-18</a:t>
+              <a:t>2023-10-20</a:t>
             </a:fld>
             <a:endParaRPr lang="en-CA"/>
           </a:p>
@@ -2528,7 +2528,7 @@
           <a:p>
             <a:fld id="{16D60063-6AE4-44D2-ADEC-433F95611D31}" type="datetimeFigureOut">
               <a:rPr lang="en-CA" smtClean="0"/>
-              <a:t>2023-10-18</a:t>
+              <a:t>2023-10-20</a:t>
             </a:fld>
             <a:endParaRPr lang="en-CA"/>
           </a:p>
@@ -2841,7 +2841,7 @@
           <a:p>
             <a:fld id="{16D60063-6AE4-44D2-ADEC-433F95611D31}" type="datetimeFigureOut">
               <a:rPr lang="en-CA" smtClean="0"/>
-              <a:t>2023-10-18</a:t>
+              <a:t>2023-10-20</a:t>
             </a:fld>
             <a:endParaRPr lang="en-CA"/>
           </a:p>
@@ -3130,7 +3130,7 @@
           <a:p>
             <a:fld id="{16D60063-6AE4-44D2-ADEC-433F95611D31}" type="datetimeFigureOut">
               <a:rPr lang="en-CA" smtClean="0"/>
-              <a:t>2023-10-18</a:t>
+              <a:t>2023-10-20</a:t>
             </a:fld>
             <a:endParaRPr lang="en-CA"/>
           </a:p>
@@ -3373,7 +3373,7 @@
           <a:p>
             <a:fld id="{16D60063-6AE4-44D2-ADEC-433F95611D31}" type="datetimeFigureOut">
               <a:rPr lang="en-CA" smtClean="0"/>
-              <a:t>2023-10-18</a:t>
+              <a:t>2023-10-20</a:t>
             </a:fld>
             <a:endParaRPr lang="en-CA"/>
           </a:p>
@@ -4489,7 +4489,7 @@
         <p:spPr>
           <a:xfrm>
             <a:off x="640820" y="232853"/>
-            <a:ext cx="10515600" cy="1463675"/>
+            <a:ext cx="10515600" cy="829593"/>
           </a:xfrm>
         </p:spPr>
         <p:txBody>

--- a/documentation/Project5_Presentation.pptx
+++ b/documentation/Project5_Presentation.pptx
@@ -203,7 +203,7 @@
           <a:p>
             <a:fld id="{9D05BED0-5D94-4216-8FAC-1E2CA02CBF52}" type="datetimeFigureOut">
               <a:rPr lang="en-CA" smtClean="0"/>
-              <a:t>2023-10-20</a:t>
+              <a:t>2023-10-27</a:t>
             </a:fld>
             <a:endParaRPr lang="en-CA"/>
           </a:p>
@@ -704,7 +704,7 @@
           <a:p>
             <a:fld id="{16D60063-6AE4-44D2-ADEC-433F95611D31}" type="datetimeFigureOut">
               <a:rPr lang="en-CA" smtClean="0"/>
-              <a:t>2023-10-20</a:t>
+              <a:t>2023-10-27</a:t>
             </a:fld>
             <a:endParaRPr lang="en-CA"/>
           </a:p>
@@ -904,7 +904,7 @@
           <a:p>
             <a:fld id="{16D60063-6AE4-44D2-ADEC-433F95611D31}" type="datetimeFigureOut">
               <a:rPr lang="en-CA" smtClean="0"/>
-              <a:t>2023-10-20</a:t>
+              <a:t>2023-10-27</a:t>
             </a:fld>
             <a:endParaRPr lang="en-CA"/>
           </a:p>
@@ -1114,7 +1114,7 @@
           <a:p>
             <a:fld id="{16D60063-6AE4-44D2-ADEC-433F95611D31}" type="datetimeFigureOut">
               <a:rPr lang="en-CA" smtClean="0"/>
-              <a:t>2023-10-20</a:t>
+              <a:t>2023-10-27</a:t>
             </a:fld>
             <a:endParaRPr lang="en-CA"/>
           </a:p>
@@ -1314,7 +1314,7 @@
           <a:p>
             <a:fld id="{16D60063-6AE4-44D2-ADEC-433F95611D31}" type="datetimeFigureOut">
               <a:rPr lang="en-CA" smtClean="0"/>
-              <a:t>2023-10-20</a:t>
+              <a:t>2023-10-27</a:t>
             </a:fld>
             <a:endParaRPr lang="en-CA"/>
           </a:p>
@@ -1590,7 +1590,7 @@
           <a:p>
             <a:fld id="{16D60063-6AE4-44D2-ADEC-433F95611D31}" type="datetimeFigureOut">
               <a:rPr lang="en-CA" smtClean="0"/>
-              <a:t>2023-10-20</a:t>
+              <a:t>2023-10-27</a:t>
             </a:fld>
             <a:endParaRPr lang="en-CA"/>
           </a:p>
@@ -1858,7 +1858,7 @@
           <a:p>
             <a:fld id="{16D60063-6AE4-44D2-ADEC-433F95611D31}" type="datetimeFigureOut">
               <a:rPr lang="en-CA" smtClean="0"/>
-              <a:t>2023-10-20</a:t>
+              <a:t>2023-10-27</a:t>
             </a:fld>
             <a:endParaRPr lang="en-CA"/>
           </a:p>
@@ -2273,7 +2273,7 @@
           <a:p>
             <a:fld id="{16D60063-6AE4-44D2-ADEC-433F95611D31}" type="datetimeFigureOut">
               <a:rPr lang="en-CA" smtClean="0"/>
-              <a:t>2023-10-20</a:t>
+              <a:t>2023-10-27</a:t>
             </a:fld>
             <a:endParaRPr lang="en-CA"/>
           </a:p>
@@ -2415,7 +2415,7 @@
           <a:p>
             <a:fld id="{16D60063-6AE4-44D2-ADEC-433F95611D31}" type="datetimeFigureOut">
               <a:rPr lang="en-CA" smtClean="0"/>
-              <a:t>2023-10-20</a:t>
+              <a:t>2023-10-27</a:t>
             </a:fld>
             <a:endParaRPr lang="en-CA"/>
           </a:p>
@@ -2528,7 +2528,7 @@
           <a:p>
             <a:fld id="{16D60063-6AE4-44D2-ADEC-433F95611D31}" type="datetimeFigureOut">
               <a:rPr lang="en-CA" smtClean="0"/>
-              <a:t>2023-10-20</a:t>
+              <a:t>2023-10-27</a:t>
             </a:fld>
             <a:endParaRPr lang="en-CA"/>
           </a:p>
@@ -2841,7 +2841,7 @@
           <a:p>
             <a:fld id="{16D60063-6AE4-44D2-ADEC-433F95611D31}" type="datetimeFigureOut">
               <a:rPr lang="en-CA" smtClean="0"/>
-              <a:t>2023-10-20</a:t>
+              <a:t>2023-10-27</a:t>
             </a:fld>
             <a:endParaRPr lang="en-CA"/>
           </a:p>
@@ -3130,7 +3130,7 @@
           <a:p>
             <a:fld id="{16D60063-6AE4-44D2-ADEC-433F95611D31}" type="datetimeFigureOut">
               <a:rPr lang="en-CA" smtClean="0"/>
-              <a:t>2023-10-20</a:t>
+              <a:t>2023-10-27</a:t>
             </a:fld>
             <a:endParaRPr lang="en-CA"/>
           </a:p>
@@ -3373,7 +3373,7 @@
           <a:p>
             <a:fld id="{16D60063-6AE4-44D2-ADEC-433F95611D31}" type="datetimeFigureOut">
               <a:rPr lang="en-CA" smtClean="0"/>
-              <a:t>2023-10-20</a:t>
+              <a:t>2023-10-27</a:t>
             </a:fld>
             <a:endParaRPr lang="en-CA"/>
           </a:p>
@@ -4489,7 +4489,7 @@
         <p:spPr>
           <a:xfrm>
             <a:off x="640820" y="232853"/>
-            <a:ext cx="10515600" cy="829593"/>
+            <a:ext cx="10515600" cy="1463675"/>
           </a:xfrm>
         </p:spPr>
         <p:txBody>
@@ -4686,7 +4686,7 @@
                 <a:ea typeface="Roboto" panose="02000000000000000000" pitchFamily="2" charset="0"/>
                 <a:cs typeface="Times New Roman" panose="02020603050405020304" pitchFamily="18" charset="0"/>
               </a:rPr>
-              <a:t>station number = 1, it should return the people serviced by station number 1. The list of people should include these specific pieces of information: first name, last name, address, phone number. As well, it should provide a summary of the number of adults in the service area and the number </a:t>
+              <a:t>station number = 1, it should return the people serviced by station number 1. The list of people should include these specific pieces of information: first name, last name, address, phone number. As well, it should provide a summary of the number of adults in the service area and the number  of children (anyone aged 18 or younger). </a:t>
             </a:r>
             <a:endParaRPr lang="en-CA" sz="1300" b="1" dirty="0">
               <a:latin typeface="Roboto" panose="02000000000000000000" pitchFamily="2" charset="0"/>
@@ -4732,12 +4732,8 @@
                 <a:ea typeface="Roboto" panose="02000000000000000000" pitchFamily="2" charset="0"/>
                 <a:cs typeface="Times New Roman" panose="02020603050405020304" pitchFamily="18" charset="0"/>
               </a:rPr>
-              <a:t> This URL should return a list of children (anyone under the age of 18) at that address. The list should include the first and last name of each child, the child’s age, and a list of other persons living at that address. If there are no children at the address, then this URL can return an empty string </a:t>
-            </a:r>
-            <a:endParaRPr lang="en-CA" sz="1300" b="1" dirty="0">
-              <a:latin typeface="Roboto" panose="02000000000000000000" pitchFamily="2" charset="0"/>
-              <a:ea typeface="Roboto" panose="02000000000000000000" pitchFamily="2" charset="0"/>
-            </a:endParaRPr>
+              <a:t> This URL should return a list of children (anyone under the age of 18) at that address. The list should include the first and last name of each child, the child’s age, and a list of other persons living at that address. </a:t>
+            </a:r>
           </a:p>
           <a:p>
             <a:pPr marL="0" indent="0">
@@ -4771,7 +4767,7 @@
                 <a:ea typeface="Roboto" panose="02000000000000000000" pitchFamily="2" charset="0"/>
                 <a:cs typeface="Times New Roman" panose="02020603050405020304" pitchFamily="18" charset="0"/>
               </a:rPr>
-              <a:t>This URL should return a list of phone numbers of each person within the fire station’s jurisdiction. We’ll use this to send emergency text messages to specific households. </a:t>
+              <a:t>This URL should return a list of phone numbers of each person within the fire station’s jurisdiction. This is will be used to send emergency text messages to specific households. </a:t>
             </a:r>
           </a:p>
           <a:p>
@@ -5062,7 +5058,12 @@
             <p:ph idx="1"/>
           </p:nvPr>
         </p:nvSpPr>
-        <p:spPr/>
+        <p:spPr>
+          <a:xfrm>
+            <a:off x="838200" y="1319917"/>
+            <a:ext cx="10515600" cy="5172958"/>
+          </a:xfrm>
+        </p:spPr>
         <p:txBody>
           <a:bodyPr>
             <a:normAutofit/>
@@ -5098,7 +5099,95 @@
               </a:rPr>
               <a:t>http://localhost:8080/person </a:t>
             </a:r>
-            <a:endParaRPr lang="en-CA" sz="2400" dirty="0">
+          </a:p>
+          <a:p>
+            <a:pPr marL="0" indent="0">
+              <a:buNone/>
+            </a:pPr>
+            <a:r>
+              <a:rPr lang="en-CA" sz="1400" dirty="0">
+                <a:effectLst/>
+                <a:latin typeface="Calibri" panose="020F0502020204030204" pitchFamily="34" charset="0"/>
+                <a:ea typeface="Calibri" panose="020F0502020204030204" pitchFamily="34" charset="0"/>
+                <a:cs typeface="Times New Roman" panose="02020603050405020304" pitchFamily="18" charset="0"/>
+              </a:rPr>
+              <a:t> This endpoint will provide the following via Http Post/Put/Delete:   Add a new person.  Update an existing person (at this time, assume that </a:t>
+            </a:r>
+            <a:r>
+              <a:rPr lang="en-CA" sz="1400" dirty="0" err="1">
+                <a:effectLst/>
+                <a:latin typeface="Calibri" panose="020F0502020204030204" pitchFamily="34" charset="0"/>
+                <a:ea typeface="Calibri" panose="020F0502020204030204" pitchFamily="34" charset="0"/>
+                <a:cs typeface="Times New Roman" panose="02020603050405020304" pitchFamily="18" charset="0"/>
+              </a:rPr>
+              <a:t>firstName</a:t>
+            </a:r>
+            <a:r>
+              <a:rPr lang="en-CA" sz="1400" dirty="0">
+                <a:effectLst/>
+                <a:latin typeface="Calibri" panose="020F0502020204030204" pitchFamily="34" charset="0"/>
+                <a:ea typeface="Calibri" panose="020F0502020204030204" pitchFamily="34" charset="0"/>
+                <a:cs typeface="Times New Roman" panose="02020603050405020304" pitchFamily="18" charset="0"/>
+              </a:rPr>
+              <a:t> and </a:t>
+            </a:r>
+            <a:r>
+              <a:rPr lang="en-CA" sz="1400" dirty="0" err="1">
+                <a:effectLst/>
+                <a:latin typeface="Calibri" panose="020F0502020204030204" pitchFamily="34" charset="0"/>
+                <a:ea typeface="Calibri" panose="020F0502020204030204" pitchFamily="34" charset="0"/>
+                <a:cs typeface="Times New Roman" panose="02020603050405020304" pitchFamily="18" charset="0"/>
+              </a:rPr>
+              <a:t>lastName</a:t>
+            </a:r>
+            <a:r>
+              <a:rPr lang="en-CA" sz="1400" dirty="0">
+                <a:effectLst/>
+                <a:latin typeface="Calibri" panose="020F0502020204030204" pitchFamily="34" charset="0"/>
+                <a:ea typeface="Calibri" panose="020F0502020204030204" pitchFamily="34" charset="0"/>
+                <a:cs typeface="Times New Roman" panose="02020603050405020304" pitchFamily="18" charset="0"/>
+              </a:rPr>
+              <a:t> do not change, but other fields can be modified).      Delete a person. (Use a combination of </a:t>
+            </a:r>
+            <a:r>
+              <a:rPr lang="en-CA" sz="1400" dirty="0" err="1">
+                <a:effectLst/>
+                <a:latin typeface="Calibri" panose="020F0502020204030204" pitchFamily="34" charset="0"/>
+                <a:ea typeface="Calibri" panose="020F0502020204030204" pitchFamily="34" charset="0"/>
+                <a:cs typeface="Times New Roman" panose="02020603050405020304" pitchFamily="18" charset="0"/>
+              </a:rPr>
+              <a:t>firstName</a:t>
+            </a:r>
+            <a:r>
+              <a:rPr lang="en-CA" sz="1400" dirty="0">
+                <a:effectLst/>
+                <a:latin typeface="Calibri" panose="020F0502020204030204" pitchFamily="34" charset="0"/>
+                <a:ea typeface="Calibri" panose="020F0502020204030204" pitchFamily="34" charset="0"/>
+                <a:cs typeface="Times New Roman" panose="02020603050405020304" pitchFamily="18" charset="0"/>
+              </a:rPr>
+              <a:t> and </a:t>
+            </a:r>
+            <a:r>
+              <a:rPr lang="en-CA" sz="1400" dirty="0" err="1">
+                <a:effectLst/>
+                <a:latin typeface="Calibri" panose="020F0502020204030204" pitchFamily="34" charset="0"/>
+                <a:ea typeface="Calibri" panose="020F0502020204030204" pitchFamily="34" charset="0"/>
+                <a:cs typeface="Times New Roman" panose="02020603050405020304" pitchFamily="18" charset="0"/>
+              </a:rPr>
+              <a:t>lastName</a:t>
+            </a:r>
+            <a:r>
+              <a:rPr lang="en-CA" sz="1400" dirty="0">
+                <a:effectLst/>
+                <a:latin typeface="Calibri" panose="020F0502020204030204" pitchFamily="34" charset="0"/>
+                <a:ea typeface="Calibri" panose="020F0502020204030204" pitchFamily="34" charset="0"/>
+                <a:cs typeface="Times New Roman" panose="02020603050405020304" pitchFamily="18" charset="0"/>
+              </a:rPr>
+              <a:t> as a unique identifier) </a:t>
+            </a:r>
+          </a:p>
+          <a:p>
+            <a:endParaRPr lang="en-CA" sz="1400" dirty="0">
               <a:effectLst/>
               <a:latin typeface="Calibri" panose="020F0502020204030204" pitchFamily="34" charset="0"/>
               <a:ea typeface="Calibri" panose="020F0502020204030204" pitchFamily="34" charset="0"/>
@@ -5115,6 +5204,90 @@
               </a:rPr>
               <a:t>http://localhost:8080/firestation </a:t>
             </a:r>
+            <a:endParaRPr lang="en-CA" sz="2400" b="1" dirty="0">
+              <a:latin typeface="Roboto" panose="02000000000000000000" pitchFamily="2" charset="0"/>
+              <a:ea typeface="Calibri" panose="020F0502020204030204" pitchFamily="34" charset="0"/>
+              <a:cs typeface="Times New Roman" panose="02020603050405020304" pitchFamily="18" charset="0"/>
+            </a:endParaRPr>
+          </a:p>
+          <a:p>
+            <a:pPr marL="0" indent="0">
+              <a:buNone/>
+            </a:pPr>
+            <a:r>
+              <a:rPr lang="en-CA" sz="1400" dirty="0">
+                <a:effectLst/>
+                <a:latin typeface="Roboto" panose="02000000000000000000" pitchFamily="2" charset="0"/>
+                <a:ea typeface="Calibri" panose="020F0502020204030204" pitchFamily="34" charset="0"/>
+                <a:cs typeface="Times New Roman" panose="02020603050405020304" pitchFamily="18" charset="0"/>
+              </a:rPr>
+              <a:t>This endpoint will provide the following via Http Post/Put/Delete:      Add a </a:t>
+            </a:r>
+            <a:r>
+              <a:rPr lang="en-CA" sz="1400" dirty="0" err="1">
+                <a:effectLst/>
+                <a:latin typeface="Roboto" panose="02000000000000000000" pitchFamily="2" charset="0"/>
+                <a:ea typeface="Calibri" panose="020F0502020204030204" pitchFamily="34" charset="0"/>
+                <a:cs typeface="Times New Roman" panose="02020603050405020304" pitchFamily="18" charset="0"/>
+              </a:rPr>
+              <a:t>firestation</a:t>
+            </a:r>
+            <a:r>
+              <a:rPr lang="en-CA" sz="1400" dirty="0">
+                <a:effectLst/>
+                <a:latin typeface="Roboto" panose="02000000000000000000" pitchFamily="2" charset="0"/>
+                <a:ea typeface="Calibri" panose="020F0502020204030204" pitchFamily="34" charset="0"/>
+                <a:cs typeface="Times New Roman" panose="02020603050405020304" pitchFamily="18" charset="0"/>
+              </a:rPr>
+              <a:t>/address mapping.       Update an address’ </a:t>
+            </a:r>
+            <a:r>
+              <a:rPr lang="en-CA" sz="1400" dirty="0" err="1">
+                <a:effectLst/>
+                <a:latin typeface="Roboto" panose="02000000000000000000" pitchFamily="2" charset="0"/>
+                <a:ea typeface="Calibri" panose="020F0502020204030204" pitchFamily="34" charset="0"/>
+                <a:cs typeface="Times New Roman" panose="02020603050405020304" pitchFamily="18" charset="0"/>
+              </a:rPr>
+              <a:t>firestation</a:t>
+            </a:r>
+            <a:r>
+              <a:rPr lang="en-CA" sz="1400" dirty="0">
+                <a:effectLst/>
+                <a:latin typeface="Roboto" panose="02000000000000000000" pitchFamily="2" charset="0"/>
+                <a:ea typeface="Calibri" panose="020F0502020204030204" pitchFamily="34" charset="0"/>
+                <a:cs typeface="Times New Roman" panose="02020603050405020304" pitchFamily="18" charset="0"/>
+              </a:rPr>
+              <a:t> number.      Delete a </a:t>
+            </a:r>
+            <a:r>
+              <a:rPr lang="en-CA" sz="1400" dirty="0" err="1">
+                <a:effectLst/>
+                <a:latin typeface="Roboto" panose="02000000000000000000" pitchFamily="2" charset="0"/>
+                <a:ea typeface="Calibri" panose="020F0502020204030204" pitchFamily="34" charset="0"/>
+                <a:cs typeface="Times New Roman" panose="02020603050405020304" pitchFamily="18" charset="0"/>
+              </a:rPr>
+              <a:t>firestation</a:t>
+            </a:r>
+            <a:r>
+              <a:rPr lang="en-CA" sz="1400" dirty="0">
+                <a:effectLst/>
+                <a:latin typeface="Roboto" panose="02000000000000000000" pitchFamily="2" charset="0"/>
+                <a:ea typeface="Calibri" panose="020F0502020204030204" pitchFamily="34" charset="0"/>
+                <a:cs typeface="Times New Roman" panose="02020603050405020304" pitchFamily="18" charset="0"/>
+              </a:rPr>
+              <a:t>/address mapping. </a:t>
+            </a:r>
+          </a:p>
+          <a:p>
+            <a:pPr marL="0" indent="0">
+              <a:buNone/>
+            </a:pPr>
+            <a:endParaRPr lang="en-CA" sz="1400" dirty="0">
+              <a:effectLst/>
+              <a:latin typeface="Roboto" panose="02000000000000000000" pitchFamily="2" charset="0"/>
+              <a:ea typeface="Calibri" panose="020F0502020204030204" pitchFamily="34" charset="0"/>
+              <a:cs typeface="Times New Roman" panose="02020603050405020304" pitchFamily="18" charset="0"/>
+            </a:endParaRPr>
           </a:p>
           <a:p>
             <a:r>
@@ -5135,7 +5308,52 @@
               </a:rPr>
               <a:t> </a:t>
             </a:r>
-            <a:endParaRPr lang="en-CA" sz="2400" dirty="0"/>
+            <a:endParaRPr lang="en-CA" sz="2400" dirty="0">
+              <a:latin typeface="Roboto" panose="02000000000000000000" pitchFamily="2" charset="0"/>
+              <a:ea typeface="Calibri" panose="020F0502020204030204" pitchFamily="34" charset="0"/>
+              <a:cs typeface="Times New Roman" panose="02020603050405020304" pitchFamily="18" charset="0"/>
+            </a:endParaRPr>
+          </a:p>
+          <a:p>
+            <a:pPr marL="0" indent="0">
+              <a:buNone/>
+            </a:pPr>
+            <a:r>
+              <a:rPr lang="en-CA" sz="1400" dirty="0"/>
+              <a:t>This endpoint will provide the following via Http Post/Put/Delete:       Add a medical record.      Update an existing medical record (as above, assume that </a:t>
+            </a:r>
+            <a:r>
+              <a:rPr lang="en-CA" sz="1400" dirty="0" err="1"/>
+              <a:t>firstName</a:t>
+            </a:r>
+            <a:r>
+              <a:rPr lang="en-CA" sz="1400" dirty="0"/>
+              <a:t> and </a:t>
+            </a:r>
+            <a:r>
+              <a:rPr lang="en-CA" sz="1400" dirty="0" err="1"/>
+              <a:t>lastName</a:t>
+            </a:r>
+            <a:r>
+              <a:rPr lang="en-CA" sz="1400" dirty="0"/>
+              <a:t> do not change).      Delete a medical record.  (Use a combination of </a:t>
+            </a:r>
+            <a:r>
+              <a:rPr lang="en-CA" sz="1400" dirty="0" err="1"/>
+              <a:t>firstName</a:t>
+            </a:r>
+            <a:r>
+              <a:rPr lang="en-CA" sz="1400" dirty="0"/>
+              <a:t> and </a:t>
+            </a:r>
+            <a:r>
+              <a:rPr lang="en-CA" sz="1400" dirty="0" err="1"/>
+              <a:t>lastName</a:t>
+            </a:r>
+            <a:r>
+              <a:rPr lang="en-CA" sz="1400" dirty="0"/>
+              <a:t> as a unique identifier) </a:t>
+            </a:r>
           </a:p>
         </p:txBody>
       </p:sp>
@@ -5323,10 +5541,10 @@
       </p:sp>
       <p:pic>
         <p:nvPicPr>
-          <p:cNvPr id="4" name="Picture 3">
-            <a:extLst>
-              <a:ext uri="{FF2B5EF4-FFF2-40B4-BE49-F238E27FC236}">
-                <a16:creationId xmlns:a16="http://schemas.microsoft.com/office/drawing/2014/main" id="{B1C0FE7C-1E24-4AD5-8742-A437BB2D33A9}"/>
+          <p:cNvPr id="3" name="Picture 2">
+            <a:extLst>
+              <a:ext uri="{FF2B5EF4-FFF2-40B4-BE49-F238E27FC236}">
+                <a16:creationId xmlns:a16="http://schemas.microsoft.com/office/drawing/2014/main" id="{6148A0CE-A041-4954-958B-A65CB0A70744}"/>
               </a:ext>
             </a:extLst>
           </p:cNvPr>
@@ -5337,13 +5555,13 @@
         </p:nvPicPr>
         <p:blipFill rotWithShape="1">
           <a:blip r:embed="rId3"/>
-          <a:srcRect l="732" t="9593" r="40366" b="67642"/>
+          <a:srcRect t="10899" r="38826" b="65913"/>
           <a:stretch/>
         </p:blipFill>
         <p:spPr>
           <a:xfrm>
-            <a:off x="356839" y="1382752"/>
-            <a:ext cx="11182438" cy="2430965"/>
+            <a:off x="254442" y="1439187"/>
+            <a:ext cx="11336655" cy="2417196"/>
           </a:xfrm>
           <a:prstGeom prst="rect">
             <a:avLst/>
